--- a/6月29日研究室ミーティング.pptx
+++ b/6月29日研究室ミーティング.pptx
@@ -8110,12 +8110,12 @@
   <p:clrMapOvr>
     <a:masterClrMapping/>
   </p:clrMapOvr>
-  <mc:AlternateContent xmlns:mc="http://schemas.openxmlformats.org/markup-compatibility/2006" xmlns:p14="http://schemas.microsoft.com/office/powerpoint/2010/main">
-    <mc:Choice Requires="p14">
-      <p:transition p14:dur="0" advTm="15416"/>
+  <mc:AlternateContent xmlns:mc="http://schemas.openxmlformats.org/markup-compatibility/2006">
+    <mc:Choice xmlns:p14="http://schemas.microsoft.com/office/powerpoint/2010/main" Requires="p14">
+      <p:transition p14:dur="0" advTm="1670"/>
     </mc:Choice>
-    <mc:Fallback xmlns="">
-      <p:transition xmlns:p14="http://schemas.microsoft.com/office/powerpoint/2010/main" advTm="15416"/>
+    <mc:Fallback>
+      <p:transition xmlns:p14="http://schemas.microsoft.com/office/powerpoint/2010/main" advTm="1670"/>
     </mc:Fallback>
   </mc:AlternateContent>
   <p:timing>
@@ -8413,7 +8413,7 @@
   <p:clrMapOvr>
     <a:masterClrMapping/>
   </p:clrMapOvr>
-  <p:transition xmlns:p14="http://schemas.microsoft.com/office/powerpoint/2010/main" advTm="538"/>
+  <p:transition xmlns:p14="http://schemas.microsoft.com/office/powerpoint/2010/main" advTm="266"/>
   <p:timing>
     <p:tnLst>
       <p:par>
@@ -8605,7 +8605,7 @@
           </a:p>
           <a:p>
             <a:r>
-              <a:rPr lang="ja-JP" altLang="en-US" sz="2800" smtClean="0">
+              <a:rPr lang="ja-JP" altLang="en-US" sz="2800" dirty="0" smtClean="0">
                 <a:latin typeface="ヒラギノ角ゴ ProN W3"/>
                 <a:ea typeface="ヒラギノ角ゴ ProN W3"/>
                 <a:cs typeface="ヒラギノ角ゴ ProN W3"/>
@@ -8613,7 +8613,7 @@
               <a:t>・</a:t>
             </a:r>
             <a:r>
-              <a:rPr lang="ja-JP" altLang="en-US" sz="2800" smtClean="0">
+              <a:rPr lang="ja-JP" altLang="en-US" sz="2800" dirty="0" smtClean="0">
                 <a:latin typeface="ヒラギノ角ゴ ProN W3"/>
                 <a:ea typeface="ヒラギノ角ゴ ProN W3"/>
                 <a:cs typeface="ヒラギノ角ゴ ProN W3"/>
@@ -8679,7 +8679,7 @@
   <p:clrMapOvr>
     <a:masterClrMapping/>
   </p:clrMapOvr>
-  <p:transition xmlns:p14="http://schemas.microsoft.com/office/powerpoint/2010/main" advTm="851"/>
+  <p:transition xmlns:p14="http://schemas.microsoft.com/office/powerpoint/2010/main" advTm="100654"/>
   <p:timing>
     <p:tnLst>
       <p:par>
@@ -8795,7 +8795,7 @@
   <p:clrMapOvr>
     <a:masterClrMapping/>
   </p:clrMapOvr>
-  <p:transition xmlns:p14="http://schemas.microsoft.com/office/powerpoint/2010/main" advTm="9111"/>
+  <p:transition xmlns:p14="http://schemas.microsoft.com/office/powerpoint/2010/main" advTm="10488"/>
   <p:timing>
     <p:tnLst>
       <p:par>
@@ -9066,7 +9066,7 @@
   <p:clrMapOvr>
     <a:masterClrMapping/>
   </p:clrMapOvr>
-  <p:transition xmlns:p14="http://schemas.microsoft.com/office/powerpoint/2010/main" advTm="22949"/>
+  <p:transition xmlns:p14="http://schemas.microsoft.com/office/powerpoint/2010/main" advTm="14438"/>
   <p:timing>
     <p:tnLst>
       <p:par>
@@ -9207,7 +9207,7 @@
   <p:clrMapOvr>
     <a:masterClrMapping/>
   </p:clrMapOvr>
-  <p:transition xmlns:p14="http://schemas.microsoft.com/office/powerpoint/2010/main" advTm="272"/>
+  <p:transition xmlns:p14="http://schemas.microsoft.com/office/powerpoint/2010/main" advTm="5935"/>
   <p:timing>
     <p:tnLst>
       <p:par>
@@ -9406,7 +9406,7 @@
   <p:clrMapOvr>
     <a:masterClrMapping/>
   </p:clrMapOvr>
-  <p:transition xmlns:p14="http://schemas.microsoft.com/office/powerpoint/2010/main" advTm="538"/>
+  <p:transition xmlns:p14="http://schemas.microsoft.com/office/powerpoint/2010/main" advTm="27796"/>
   <p:timing>
     <p:tnLst>
       <p:par>
@@ -9520,7 +9520,7 @@
   <p:clrMapOvr>
     <a:masterClrMapping/>
   </p:clrMapOvr>
-  <p:transition xmlns:p14="http://schemas.microsoft.com/office/powerpoint/2010/main" advTm="272"/>
+  <p:transition xmlns:p14="http://schemas.microsoft.com/office/powerpoint/2010/main" advTm="4020"/>
   <p:timing>
     <p:tnLst>
       <p:par>
@@ -9895,7 +9895,7 @@
   <p:clrMapOvr>
     <a:masterClrMapping/>
   </p:clrMapOvr>
-  <p:transition xmlns:p14="http://schemas.microsoft.com/office/powerpoint/2010/main" advTm="538"/>
+  <p:transition xmlns:p14="http://schemas.microsoft.com/office/powerpoint/2010/main" advTm="495"/>
   <p:timing>
     <p:tnLst>
       <p:par>
@@ -10023,7 +10023,7 @@
   <p:clrMapOvr>
     <a:masterClrMapping/>
   </p:clrMapOvr>
-  <p:transition xmlns:p14="http://schemas.microsoft.com/office/powerpoint/2010/main" advTm="272"/>
+  <p:transition xmlns:p14="http://schemas.microsoft.com/office/powerpoint/2010/main" advTm="194"/>
   <p:timing>
     <p:tnLst>
       <p:par>
@@ -10372,7 +10372,7 @@
   <p:clrMapOvr>
     <a:masterClrMapping/>
   </p:clrMapOvr>
-  <p:transition xmlns:p14="http://schemas.microsoft.com/office/powerpoint/2010/main" advTm="538"/>
+  <p:transition xmlns:p14="http://schemas.microsoft.com/office/powerpoint/2010/main" advTm="5488"/>
   <p:timing>
     <p:tnLst>
       <p:par>
@@ -10756,7 +10756,7 @@
   <p:clrMapOvr>
     <a:masterClrMapping/>
   </p:clrMapOvr>
-  <p:transition xmlns:p14="http://schemas.microsoft.com/office/powerpoint/2010/main" advTm="538"/>
+  <p:transition xmlns:p14="http://schemas.microsoft.com/office/powerpoint/2010/main" advTm="3588"/>
   <p:timing>
     <p:tnLst>
       <p:par>
